--- a/Section05/week2day1.pptx
+++ b/Section05/week2day1.pptx
@@ -277,7 +277,7 @@
           <a:p>
             <a:fld id="{F7B72C4D-1382-4CE1-B93D-1824FE2CB33D}" type="datetimeFigureOut">
               <a:rPr lang="en-US" smtClean="0"/>
-              <a:t>1/17/2022</a:t>
+              <a:t>10/3/2022</a:t>
             </a:fld>
             <a:endParaRPr lang="en-US"/>
           </a:p>
@@ -478,7 +478,7 @@
           <a:p>
             <a:fld id="{F7B72C4D-1382-4CE1-B93D-1824FE2CB33D}" type="datetimeFigureOut">
               <a:rPr lang="en-US" smtClean="0"/>
-              <a:t>1/17/2022</a:t>
+              <a:t>10/3/2022</a:t>
             </a:fld>
             <a:endParaRPr lang="en-US"/>
           </a:p>
@@ -689,7 +689,7 @@
           <a:p>
             <a:fld id="{F7B72C4D-1382-4CE1-B93D-1824FE2CB33D}" type="datetimeFigureOut">
               <a:rPr lang="en-US" smtClean="0"/>
-              <a:t>1/17/2022</a:t>
+              <a:t>10/3/2022</a:t>
             </a:fld>
             <a:endParaRPr lang="en-US"/>
           </a:p>
@@ -805,7 +805,7 @@
           <a:p>
             <a:fld id="{D71203D8-58C2-4C48-8094-4E5BF12B1019}" type="datetimeFigureOut">
               <a:rPr lang="en-US" smtClean="0"/>
-              <a:t>1/17/2022</a:t>
+              <a:t>10/3/2022</a:t>
             </a:fld>
             <a:endParaRPr lang="en-US"/>
           </a:p>
@@ -1073,7 +1073,7 @@
           <a:p>
             <a:fld id="{D71203D8-58C2-4C48-8094-4E5BF12B1019}" type="datetimeFigureOut">
               <a:rPr lang="en-US" smtClean="0"/>
-              <a:t>1/17/2022</a:t>
+              <a:t>10/3/2022</a:t>
             </a:fld>
             <a:endParaRPr lang="en-US"/>
           </a:p>
@@ -1274,7 +1274,7 @@
           <a:p>
             <a:fld id="{D71203D8-58C2-4C48-8094-4E5BF12B1019}" type="datetimeFigureOut">
               <a:rPr lang="en-US" smtClean="0"/>
-              <a:t>1/17/2022</a:t>
+              <a:t>10/3/2022</a:t>
             </a:fld>
             <a:endParaRPr lang="en-US"/>
           </a:p>
@@ -1475,7 +1475,7 @@
           <a:p>
             <a:fld id="{F7B72C4D-1382-4CE1-B93D-1824FE2CB33D}" type="datetimeFigureOut">
               <a:rPr lang="en-US" smtClean="0"/>
-              <a:t>1/17/2022</a:t>
+              <a:t>10/3/2022</a:t>
             </a:fld>
             <a:endParaRPr lang="en-US"/>
           </a:p>
@@ -1753,7 +1753,7 @@
           <a:p>
             <a:fld id="{F7B72C4D-1382-4CE1-B93D-1824FE2CB33D}" type="datetimeFigureOut">
               <a:rPr lang="en-US" smtClean="0"/>
-              <a:t>1/17/2022</a:t>
+              <a:t>10/3/2022</a:t>
             </a:fld>
             <a:endParaRPr lang="en-US"/>
           </a:p>
@@ -2021,7 +2021,7 @@
           <a:p>
             <a:fld id="{F7B72C4D-1382-4CE1-B93D-1824FE2CB33D}" type="datetimeFigureOut">
               <a:rPr lang="en-US" smtClean="0"/>
-              <a:t>1/17/2022</a:t>
+              <a:t>10/3/2022</a:t>
             </a:fld>
             <a:endParaRPr lang="en-US"/>
           </a:p>
@@ -2436,7 +2436,7 @@
           <a:p>
             <a:fld id="{F7B72C4D-1382-4CE1-B93D-1824FE2CB33D}" type="datetimeFigureOut">
               <a:rPr lang="en-US" smtClean="0"/>
-              <a:t>1/17/2022</a:t>
+              <a:t>10/3/2022</a:t>
             </a:fld>
             <a:endParaRPr lang="en-US"/>
           </a:p>
@@ -2580,7 +2580,7 @@
           <a:p>
             <a:fld id="{F7B72C4D-1382-4CE1-B93D-1824FE2CB33D}" type="datetimeFigureOut">
               <a:rPr lang="en-US" smtClean="0"/>
-              <a:t>1/17/2022</a:t>
+              <a:t>10/3/2022</a:t>
             </a:fld>
             <a:endParaRPr lang="en-US"/>
           </a:p>
@@ -2696,7 +2696,7 @@
           <a:p>
             <a:fld id="{F7B72C4D-1382-4CE1-B93D-1824FE2CB33D}" type="datetimeFigureOut">
               <a:rPr lang="en-US" smtClean="0"/>
-              <a:t>1/17/2022</a:t>
+              <a:t>10/3/2022</a:t>
             </a:fld>
             <a:endParaRPr lang="en-US"/>
           </a:p>
@@ -3010,7 +3010,7 @@
           <a:p>
             <a:fld id="{F7B72C4D-1382-4CE1-B93D-1824FE2CB33D}" type="datetimeFigureOut">
               <a:rPr lang="en-US" smtClean="0"/>
-              <a:t>1/17/2022</a:t>
+              <a:t>10/3/2022</a:t>
             </a:fld>
             <a:endParaRPr lang="en-US"/>
           </a:p>
@@ -3301,7 +3301,7 @@
           <a:p>
             <a:fld id="{F7B72C4D-1382-4CE1-B93D-1824FE2CB33D}" type="datetimeFigureOut">
               <a:rPr lang="en-US" smtClean="0"/>
-              <a:t>1/17/2022</a:t>
+              <a:t>10/3/2022</a:t>
             </a:fld>
             <a:endParaRPr lang="en-US"/>
           </a:p>
@@ -3575,7 +3575,7 @@
           <a:p>
             <a:fld id="{F7B72C4D-1382-4CE1-B93D-1824FE2CB33D}" type="datetimeFigureOut">
               <a:rPr lang="en-US" smtClean="0"/>
-              <a:t>1/17/2022</a:t>
+              <a:t>10/3/2022</a:t>
             </a:fld>
             <a:endParaRPr lang="en-US"/>
           </a:p>
@@ -4176,7 +4176,7 @@
           <a:p>
             <a:fld id="{D71203D8-58C2-4C48-8094-4E5BF12B1019}" type="datetimeFigureOut">
               <a:rPr lang="en-US" smtClean="0"/>
-              <a:t>1/17/2022</a:t>
+              <a:t>10/3/2022</a:t>
             </a:fld>
             <a:endParaRPr lang="en-US"/>
           </a:p>
@@ -4701,18 +4701,18 @@
         </p:nvSpPr>
         <p:spPr>
           <a:xfrm>
-            <a:off x="251791" y="365125"/>
-            <a:ext cx="11767931" cy="1325563"/>
+            <a:off x="424069" y="430925"/>
+            <a:ext cx="10485669" cy="620109"/>
           </a:xfrm>
         </p:spPr>
         <p:txBody>
           <a:bodyPr>
-            <a:normAutofit fontScale="90000"/>
+            <a:noAutofit/>
           </a:bodyPr>
           <a:lstStyle/>
           <a:p>
             <a:r>
-              <a:rPr lang="en-US" b="0" i="0" dirty="0" err="1">
+              <a:rPr lang="en-US" sz="3600" b="0" i="0" dirty="0" err="1">
                 <a:solidFill>
                   <a:srgbClr val="000000"/>
                 </a:solidFill>
@@ -4722,7 +4722,7 @@
               <a:t>thislist</a:t>
             </a:r>
             <a:r>
-              <a:rPr lang="en-US" b="0" i="0" dirty="0">
+              <a:rPr lang="en-US" sz="3600" b="0" i="0" dirty="0">
                 <a:solidFill>
                   <a:srgbClr val="000000"/>
                 </a:solidFill>
@@ -4732,7 +4732,7 @@
               <a:t> = [</a:t>
             </a:r>
             <a:r>
-              <a:rPr lang="en-US" b="0" i="0" dirty="0">
+              <a:rPr lang="en-US" sz="3600" b="0" i="0" dirty="0">
                 <a:solidFill>
                   <a:srgbClr val="A52A2A"/>
                 </a:solidFill>
@@ -4742,7 +4742,7 @@
               <a:t>"apple"</a:t>
             </a:r>
             <a:r>
-              <a:rPr lang="en-US" b="0" i="0" dirty="0">
+              <a:rPr lang="en-US" sz="3600" b="0" i="0" dirty="0">
                 <a:solidFill>
                   <a:srgbClr val="000000"/>
                 </a:solidFill>
@@ -4752,7 +4752,7 @@
               <a:t>, </a:t>
             </a:r>
             <a:r>
-              <a:rPr lang="en-US" b="0" i="0" dirty="0">
+              <a:rPr lang="en-US" sz="3600" b="0" i="0" dirty="0">
                 <a:solidFill>
                   <a:srgbClr val="A52A2A"/>
                 </a:solidFill>
@@ -4762,7 +4762,7 @@
               <a:t>"banana"</a:t>
             </a:r>
             <a:r>
-              <a:rPr lang="en-US" b="0" i="0" dirty="0">
+              <a:rPr lang="en-US" sz="3600" b="0" i="0" dirty="0">
                 <a:solidFill>
                   <a:srgbClr val="000000"/>
                 </a:solidFill>
@@ -4772,7 +4772,7 @@
               <a:t>, </a:t>
             </a:r>
             <a:r>
-              <a:rPr lang="en-US" b="0" i="0" dirty="0">
+              <a:rPr lang="en-US" sz="3600" b="0" i="0" dirty="0">
                 <a:solidFill>
                   <a:srgbClr val="A52A2A"/>
                 </a:solidFill>
@@ -4782,7 +4782,7 @@
               <a:t>"cherry"</a:t>
             </a:r>
             <a:r>
-              <a:rPr lang="en-US" b="0" i="0" dirty="0">
+              <a:rPr lang="en-US" sz="3600" b="0" i="0" dirty="0">
                 <a:solidFill>
                   <a:srgbClr val="000000"/>
                 </a:solidFill>
@@ -4791,10 +4791,7 @@
               </a:rPr>
               <a:t>]</a:t>
             </a:r>
-            <a:br>
-              <a:rPr lang="en-US" dirty="0"/>
-            </a:br>
-            <a:endParaRPr lang="en-US" dirty="0"/>
+            <a:endParaRPr lang="en-US" sz="3600" dirty="0"/>
           </a:p>
         </p:txBody>
       </p:sp>
@@ -4816,12 +4813,14 @@
         </p:nvSpPr>
         <p:spPr>
           <a:xfrm>
-            <a:off x="172278" y="1219200"/>
-            <a:ext cx="11847444" cy="5638800"/>
+            <a:off x="172278" y="1303282"/>
+            <a:ext cx="11847444" cy="5554717"/>
           </a:xfrm>
         </p:spPr>
         <p:txBody>
-          <a:bodyPr/>
+          <a:bodyPr>
+            <a:normAutofit lnSpcReduction="10000"/>
+          </a:bodyPr>
           <a:lstStyle/>
           <a:p>
             <a:pPr marL="0" indent="0" algn="ctr">
@@ -4897,9 +4896,24 @@
               </a:rPr>
               <a:t>]</a:t>
             </a:r>
-            <a:br>
-              <a:rPr lang="en-US" dirty="0"/>
-            </a:br>
+            <a:endParaRPr lang="en-US" dirty="0"/>
+          </a:p>
+          <a:p>
+            <a:pPr marL="0" indent="0" algn="ctr">
+              <a:buNone/>
+            </a:pPr>
+            <a:endParaRPr lang="en-US" b="0" i="0" dirty="0">
+              <a:solidFill>
+                <a:srgbClr val="000000"/>
+              </a:solidFill>
+              <a:effectLst/>
+              <a:latin typeface="Consolas" panose="020B0609020204030204" pitchFamily="49" charset="0"/>
+            </a:endParaRPr>
+          </a:p>
+          <a:p>
+            <a:pPr marL="0" indent="0" algn="ctr">
+              <a:buNone/>
+            </a:pPr>
             <a:r>
               <a:rPr lang="en-US" b="0" i="0" dirty="0" err="1">
                 <a:solidFill>
@@ -5672,6 +5686,109 @@
                                           <p:spTgt spid="3">
                                             <p:txEl>
                                               <p:pRg st="8" end="8"/>
+                                            </p:txEl>
+                                          </p:spTgt>
+                                        </p:tgtEl>
+                                        <p:attrNameLst>
+                                          <p:attrName>ppt_y</p:attrName>
+                                        </p:attrNameLst>
+                                      </p:cBhvr>
+                                      <p:tavLst>
+                                        <p:tav tm="0">
+                                          <p:val>
+                                            <p:strVal val="1+#ppt_h/2"/>
+                                          </p:val>
+                                        </p:tav>
+                                        <p:tav tm="100000">
+                                          <p:val>
+                                            <p:strVal val="#ppt_y"/>
+                                          </p:val>
+                                        </p:tav>
+                                      </p:tavLst>
+                                    </p:anim>
+                                  </p:childTnLst>
+                                </p:cTn>
+                              </p:par>
+                            </p:childTnLst>
+                          </p:cTn>
+                        </p:par>
+                      </p:childTnLst>
+                    </p:cTn>
+                  </p:par>
+                  <p:par>
+                    <p:cTn id="33" fill="hold">
+                      <p:stCondLst>
+                        <p:cond delay="indefinite"/>
+                      </p:stCondLst>
+                      <p:childTnLst>
+                        <p:par>
+                          <p:cTn id="34" fill="hold">
+                            <p:stCondLst>
+                              <p:cond delay="0"/>
+                            </p:stCondLst>
+                            <p:childTnLst>
+                              <p:par>
+                                <p:cTn id="35" presetID="2" presetClass="entr" presetSubtype="4" fill="hold" grpId="0" nodeType="clickEffect">
+                                  <p:stCondLst>
+                                    <p:cond delay="0"/>
+                                  </p:stCondLst>
+                                  <p:childTnLst>
+                                    <p:set>
+                                      <p:cBhvr>
+                                        <p:cTn id="36" dur="1" fill="hold">
+                                          <p:stCondLst>
+                                            <p:cond delay="0"/>
+                                          </p:stCondLst>
+                                        </p:cTn>
+                                        <p:tgtEl>
+                                          <p:spTgt spid="3">
+                                            <p:txEl>
+                                              <p:pRg st="10" end="10"/>
+                                            </p:txEl>
+                                          </p:spTgt>
+                                        </p:tgtEl>
+                                        <p:attrNameLst>
+                                          <p:attrName>style.visibility</p:attrName>
+                                        </p:attrNameLst>
+                                      </p:cBhvr>
+                                      <p:to>
+                                        <p:strVal val="visible"/>
+                                      </p:to>
+                                    </p:set>
+                                    <p:anim calcmode="lin" valueType="num">
+                                      <p:cBhvr additive="base">
+                                        <p:cTn id="37" dur="500" fill="hold"/>
+                                        <p:tgtEl>
+                                          <p:spTgt spid="3">
+                                            <p:txEl>
+                                              <p:pRg st="10" end="10"/>
+                                            </p:txEl>
+                                          </p:spTgt>
+                                        </p:tgtEl>
+                                        <p:attrNameLst>
+                                          <p:attrName>ppt_x</p:attrName>
+                                        </p:attrNameLst>
+                                      </p:cBhvr>
+                                      <p:tavLst>
+                                        <p:tav tm="0">
+                                          <p:val>
+                                            <p:strVal val="#ppt_x"/>
+                                          </p:val>
+                                        </p:tav>
+                                        <p:tav tm="100000">
+                                          <p:val>
+                                            <p:strVal val="#ppt_x"/>
+                                          </p:val>
+                                        </p:tav>
+                                      </p:tavLst>
+                                    </p:anim>
+                                    <p:anim calcmode="lin" valueType="num">
+                                      <p:cBhvr additive="base">
+                                        <p:cTn id="38" dur="500" fill="hold"/>
+                                        <p:tgtEl>
+                                          <p:spTgt spid="3">
+                                            <p:txEl>
+                                              <p:pRg st="10" end="10"/>
                                             </p:txEl>
                                           </p:spTgt>
                                         </p:tgtEl>
@@ -13036,12 +13153,12 @@
         <p:spPr>
           <a:xfrm>
             <a:off x="160020" y="1819274"/>
-            <a:ext cx="5837555" cy="4832985"/>
+            <a:ext cx="6012180" cy="4832985"/>
           </a:xfrm>
         </p:spPr>
         <p:txBody>
           <a:bodyPr>
-            <a:normAutofit/>
+            <a:normAutofit lnSpcReduction="10000"/>
           </a:bodyPr>
           <a:lstStyle/>
           <a:p>
@@ -13065,37 +13182,37 @@
           <a:p>
             <a:r>
               <a:rPr lang="en-US" dirty="0"/>
-              <a:t>Max Window: logo + up arrow</a:t>
+              <a:t>Max / Min Window = logo + up/down arrow</a:t>
             </a:r>
           </a:p>
           <a:p>
             <a:r>
               <a:rPr lang="en-US" dirty="0"/>
-              <a:t>Task View: logo + tab</a:t>
+              <a:t>Task View = logo + tab</a:t>
             </a:r>
           </a:p>
           <a:p>
             <a:r>
               <a:rPr lang="en-US" dirty="0"/>
-              <a:t>Display/hide Desktop: Logo + D</a:t>
+              <a:t>Display / hide Desktop = Logo + D</a:t>
             </a:r>
           </a:p>
           <a:p>
             <a:r>
               <a:rPr lang="en-US" dirty="0"/>
-              <a:t>Switch between Open apps: Alt + Tab</a:t>
+              <a:t>Switch between Open apps = Alt + Tab</a:t>
             </a:r>
           </a:p>
           <a:p>
             <a:r>
               <a:rPr lang="en-US" dirty="0"/>
-              <a:t>Open Quick Link menu: Logo + X</a:t>
+              <a:t>Open Quick Link menu = Logo + X</a:t>
             </a:r>
           </a:p>
           <a:p>
             <a:r>
               <a:rPr lang="en-US" dirty="0"/>
-              <a:t>Lock your PC: logo + L</a:t>
+              <a:t>Lock your PC = logo + L</a:t>
             </a:r>
           </a:p>
           <a:p>
@@ -13163,7 +13280,7 @@
         </p:spPr>
         <p:txBody>
           <a:bodyPr>
-            <a:normAutofit/>
+            <a:normAutofit lnSpcReduction="10000"/>
           </a:bodyPr>
           <a:lstStyle/>
           <a:p>
@@ -13186,12 +13303,8 @@
           </a:p>
           <a:p>
             <a:r>
-              <a:rPr lang="en-US" dirty="0" err="1"/>
-              <a:t>Control+Command+F</a:t>
-            </a:r>
-            <a:r>
               <a:rPr lang="en-US" dirty="0"/>
-              <a:t>: Fullscreen</a:t>
+              <a:t>Control + Command + F = Fullscreen</a:t>
             </a:r>
           </a:p>
           <a:p>
@@ -18658,6 +18771,15 @@
               <a:buNone/>
             </a:pPr>
             <a:r>
+              <a:rPr lang="en-US" dirty="0">
+                <a:solidFill>
+                  <a:srgbClr val="000000"/>
+                </a:solidFill>
+                <a:latin typeface="Consolas" panose="020B0609020204030204" pitchFamily="49" charset="0"/>
+              </a:rPr>
+              <a:t>Always created with </a:t>
+            </a:r>
+            <a:r>
               <a:rPr lang="en-US" b="0" i="0" dirty="0">
                 <a:solidFill>
                   <a:srgbClr val="000000"/>
@@ -18665,7 +18787,7 @@
                 <a:effectLst/>
                 <a:latin typeface="Consolas" panose="020B0609020204030204" pitchFamily="49" charset="0"/>
               </a:rPr>
-              <a:t>Created always with []</a:t>
+              <a:t>[]</a:t>
             </a:r>
           </a:p>
           <a:p>
